--- a/CalendarioAgo25/presentaciones/12_FuncionesOrdenSuperior.pptx
+++ b/CalendarioAgo25/presentaciones/12_FuncionesOrdenSuperior.pptx
@@ -140,6 +140,35 @@
 </p:presentation>
 </file>
 
+<file path=ppt/changesInfos/changesInfo1.xml><?xml version="1.0" encoding="utf-8"?>
+<pc:chgInfo xmlns:a="http://schemas.openxmlformats.org/drawingml/2006/main" xmlns:r="http://schemas.openxmlformats.org/officeDocument/2006/relationships" xmlns:ac="http://schemas.microsoft.com/office/drawing/2013/main/command" xmlns:pc="http://schemas.microsoft.com/office/powerpoint/2013/main/command">
+  <pc:docChgLst>
+    <pc:chgData name="Lizethe Pérez Fuertes" userId="4ae9ef87-2a7d-42f8-8dfa-0a501a9e2ff4" providerId="ADAL" clId="{8D51BF92-1695-43D9-82CC-025B088798A0}"/>
+    <pc:docChg chg="custSel modSld">
+      <pc:chgData name="Lizethe Pérez Fuertes" userId="4ae9ef87-2a7d-42f8-8dfa-0a501a9e2ff4" providerId="ADAL" clId="{8D51BF92-1695-43D9-82CC-025B088798A0}" dt="2025-08-26T22:43:58.090" v="0" actId="33524"/>
+      <pc:docMkLst>
+        <pc:docMk/>
+      </pc:docMkLst>
+      <pc:sldChg chg="modSp mod">
+        <pc:chgData name="Lizethe Pérez Fuertes" userId="4ae9ef87-2a7d-42f8-8dfa-0a501a9e2ff4" providerId="ADAL" clId="{8D51BF92-1695-43D9-82CC-025B088798A0}" dt="2025-08-26T22:43:58.090" v="0" actId="33524"/>
+        <pc:sldMkLst>
+          <pc:docMk/>
+          <pc:sldMk cId="2954230386" sldId="610"/>
+        </pc:sldMkLst>
+        <pc:spChg chg="mod">
+          <ac:chgData name="Lizethe Pérez Fuertes" userId="4ae9ef87-2a7d-42f8-8dfa-0a501a9e2ff4" providerId="ADAL" clId="{8D51BF92-1695-43D9-82CC-025B088798A0}" dt="2025-08-26T22:43:58.090" v="0" actId="33524"/>
+          <ac:spMkLst>
+            <pc:docMk/>
+            <pc:sldMk cId="2954230386" sldId="610"/>
+            <ac:spMk id="8" creationId="{F23B182C-3AEF-4774-8A2E-43C061D9123C}"/>
+          </ac:spMkLst>
+        </pc:spChg>
+      </pc:sldChg>
+    </pc:docChg>
+  </pc:docChgLst>
+</pc:chgInfo>
+</file>
+
 <file path=ppt/notesMasters/notesMaster1.xml><?xml version="1.0" encoding="utf-8"?>
 <p:notesMaster xmlns:a="http://schemas.openxmlformats.org/drawingml/2006/main" xmlns:r="http://schemas.openxmlformats.org/officeDocument/2006/relationships" xmlns:p="http://schemas.openxmlformats.org/presentationml/2006/main">
   <p:cSld>
@@ -222,7 +251,7 @@
           <a:p>
             <a:fld id="{DDE721D5-655F-45D2-B717-3C4CD78C8568}" type="datetimeFigureOut">
               <a:rPr lang="es-MX" smtClean="0"/>
-              <a:t>25/02/2025</a:t>
+              <a:t>26/08/2025</a:t>
             </a:fld>
             <a:endParaRPr lang="es-MX" dirty="0"/>
           </a:p>
@@ -381,7 +410,7 @@
           <a:p>
             <a:fld id="{6BAB4312-99A1-4CE9-ACE7-4C62E9FD90EE}" type="slidenum">
               <a:rPr lang="es-MX" smtClean="0"/>
-              <a:t>‹#›</a:t>
+              <a:t>‹Nº›</a:t>
             </a:fld>
             <a:endParaRPr lang="es-MX" dirty="0"/>
           </a:p>
@@ -1763,7 +1792,7 @@
           <a:p>
             <a:fld id="{B3F3E716-CACC-4490-AD07-F24B6A68DE47}" type="datetimeFigureOut">
               <a:rPr lang="es-MX" smtClean="0"/>
-              <a:t>25/02/2025</a:t>
+              <a:t>26/08/2025</a:t>
             </a:fld>
             <a:endParaRPr lang="es-MX" dirty="0"/>
           </a:p>
@@ -1805,7 +1834,7 @@
           <a:p>
             <a:fld id="{52A58D3C-5A37-463D-B2C9-8DF65AE0B01C}" type="slidenum">
               <a:rPr lang="es-MX" smtClean="0"/>
-              <a:t>‹#›</a:t>
+              <a:t>‹Nº›</a:t>
             </a:fld>
             <a:endParaRPr lang="es-MX" dirty="0"/>
           </a:p>
@@ -1933,7 +1962,7 @@
           <a:p>
             <a:fld id="{B3F3E716-CACC-4490-AD07-F24B6A68DE47}" type="datetimeFigureOut">
               <a:rPr lang="es-MX" smtClean="0"/>
-              <a:t>25/02/2025</a:t>
+              <a:t>26/08/2025</a:t>
             </a:fld>
             <a:endParaRPr lang="es-MX" dirty="0"/>
           </a:p>
@@ -1975,7 +2004,7 @@
           <a:p>
             <a:fld id="{52A58D3C-5A37-463D-B2C9-8DF65AE0B01C}" type="slidenum">
               <a:rPr lang="es-MX" smtClean="0"/>
-              <a:t>‹#›</a:t>
+              <a:t>‹Nº›</a:t>
             </a:fld>
             <a:endParaRPr lang="es-MX" dirty="0"/>
           </a:p>
@@ -2113,7 +2142,7 @@
           <a:p>
             <a:fld id="{B3F3E716-CACC-4490-AD07-F24B6A68DE47}" type="datetimeFigureOut">
               <a:rPr lang="es-MX" smtClean="0"/>
-              <a:t>25/02/2025</a:t>
+              <a:t>26/08/2025</a:t>
             </a:fld>
             <a:endParaRPr lang="es-MX" dirty="0"/>
           </a:p>
@@ -2155,7 +2184,7 @@
           <a:p>
             <a:fld id="{52A58D3C-5A37-463D-B2C9-8DF65AE0B01C}" type="slidenum">
               <a:rPr lang="es-MX" smtClean="0"/>
-              <a:t>‹#›</a:t>
+              <a:t>‹Nº›</a:t>
             </a:fld>
             <a:endParaRPr lang="es-MX" dirty="0"/>
           </a:p>
@@ -2266,7 +2295,7 @@
           <a:p>
             <a:fld id="{1D8BD707-D9CF-40AE-B4C6-C98DA3205C09}" type="datetimeFigureOut">
               <a:rPr lang="en-US" smtClean="0"/>
-              <a:t>2/25/2025</a:t>
+              <a:t>8/26/2025</a:t>
             </a:fld>
             <a:endParaRPr lang="en-US" dirty="0"/>
           </a:p>
@@ -2296,7 +2325,7 @@
                 <a:cs typeface="Calibri"/>
               </a:rPr>
               <a:pPr marL="25400"/>
-              <a:t>‹#›</a:t>
+              <a:t>‹Nº›</a:t>
             </a:fld>
             <a:endParaRPr lang="es-MX" dirty="0">
               <a:cs typeface="Calibri"/>
@@ -2426,7 +2455,7 @@
           <a:p>
             <a:fld id="{B3F3E716-CACC-4490-AD07-F24B6A68DE47}" type="datetimeFigureOut">
               <a:rPr lang="es-MX" smtClean="0"/>
-              <a:t>25/02/2025</a:t>
+              <a:t>26/08/2025</a:t>
             </a:fld>
             <a:endParaRPr lang="es-MX" dirty="0"/>
           </a:p>
@@ -2468,7 +2497,7 @@
           <a:p>
             <a:fld id="{52A58D3C-5A37-463D-B2C9-8DF65AE0B01C}" type="slidenum">
               <a:rPr lang="es-MX" smtClean="0"/>
-              <a:t>‹#›</a:t>
+              <a:t>‹Nº›</a:t>
             </a:fld>
             <a:endParaRPr lang="es-MX" dirty="0"/>
           </a:p>
@@ -2672,7 +2701,7 @@
           <a:p>
             <a:fld id="{B3F3E716-CACC-4490-AD07-F24B6A68DE47}" type="datetimeFigureOut">
               <a:rPr lang="es-MX" smtClean="0"/>
-              <a:t>25/02/2025</a:t>
+              <a:t>26/08/2025</a:t>
             </a:fld>
             <a:endParaRPr lang="es-MX" dirty="0"/>
           </a:p>
@@ -2714,7 +2743,7 @@
           <a:p>
             <a:fld id="{52A58D3C-5A37-463D-B2C9-8DF65AE0B01C}" type="slidenum">
               <a:rPr lang="es-MX" smtClean="0"/>
-              <a:t>‹#›</a:t>
+              <a:t>‹Nº›</a:t>
             </a:fld>
             <a:endParaRPr lang="es-MX" dirty="0"/>
           </a:p>
@@ -2960,7 +2989,7 @@
           <a:p>
             <a:fld id="{B3F3E716-CACC-4490-AD07-F24B6A68DE47}" type="datetimeFigureOut">
               <a:rPr lang="es-MX" smtClean="0"/>
-              <a:t>25/02/2025</a:t>
+              <a:t>26/08/2025</a:t>
             </a:fld>
             <a:endParaRPr lang="es-MX" dirty="0"/>
           </a:p>
@@ -3002,7 +3031,7 @@
           <a:p>
             <a:fld id="{52A58D3C-5A37-463D-B2C9-8DF65AE0B01C}" type="slidenum">
               <a:rPr lang="es-MX" smtClean="0"/>
-              <a:t>‹#›</a:t>
+              <a:t>‹Nº›</a:t>
             </a:fld>
             <a:endParaRPr lang="es-MX" dirty="0"/>
           </a:p>
@@ -3382,7 +3411,7 @@
           <a:p>
             <a:fld id="{B3F3E716-CACC-4490-AD07-F24B6A68DE47}" type="datetimeFigureOut">
               <a:rPr lang="es-MX" smtClean="0"/>
-              <a:t>25/02/2025</a:t>
+              <a:t>26/08/2025</a:t>
             </a:fld>
             <a:endParaRPr lang="es-MX" dirty="0"/>
           </a:p>
@@ -3424,7 +3453,7 @@
           <a:p>
             <a:fld id="{52A58D3C-5A37-463D-B2C9-8DF65AE0B01C}" type="slidenum">
               <a:rPr lang="es-MX" smtClean="0"/>
-              <a:t>‹#›</a:t>
+              <a:t>‹Nº›</a:t>
             </a:fld>
             <a:endParaRPr lang="es-MX" dirty="0"/>
           </a:p>
@@ -3500,7 +3529,7 @@
           <a:p>
             <a:fld id="{B3F3E716-CACC-4490-AD07-F24B6A68DE47}" type="datetimeFigureOut">
               <a:rPr lang="es-MX" smtClean="0"/>
-              <a:t>25/02/2025</a:t>
+              <a:t>26/08/2025</a:t>
             </a:fld>
             <a:endParaRPr lang="es-MX" dirty="0"/>
           </a:p>
@@ -3542,7 +3571,7 @@
           <a:p>
             <a:fld id="{52A58D3C-5A37-463D-B2C9-8DF65AE0B01C}" type="slidenum">
               <a:rPr lang="es-MX" smtClean="0"/>
-              <a:t>‹#›</a:t>
+              <a:t>‹Nº›</a:t>
             </a:fld>
             <a:endParaRPr lang="es-MX" dirty="0"/>
           </a:p>
@@ -3595,7 +3624,7 @@
           <a:p>
             <a:fld id="{B3F3E716-CACC-4490-AD07-F24B6A68DE47}" type="datetimeFigureOut">
               <a:rPr lang="es-MX" smtClean="0"/>
-              <a:t>25/02/2025</a:t>
+              <a:t>26/08/2025</a:t>
             </a:fld>
             <a:endParaRPr lang="es-MX" dirty="0"/>
           </a:p>
@@ -3637,7 +3666,7 @@
           <a:p>
             <a:fld id="{52A58D3C-5A37-463D-B2C9-8DF65AE0B01C}" type="slidenum">
               <a:rPr lang="es-MX" smtClean="0"/>
-              <a:t>‹#›</a:t>
+              <a:t>‹Nº›</a:t>
             </a:fld>
             <a:endParaRPr lang="es-MX" dirty="0"/>
           </a:p>
@@ -3872,7 +3901,7 @@
           <a:p>
             <a:fld id="{B3F3E716-CACC-4490-AD07-F24B6A68DE47}" type="datetimeFigureOut">
               <a:rPr lang="es-MX" smtClean="0"/>
-              <a:t>25/02/2025</a:t>
+              <a:t>26/08/2025</a:t>
             </a:fld>
             <a:endParaRPr lang="es-MX" dirty="0"/>
           </a:p>
@@ -3914,7 +3943,7 @@
           <a:p>
             <a:fld id="{52A58D3C-5A37-463D-B2C9-8DF65AE0B01C}" type="slidenum">
               <a:rPr lang="es-MX" smtClean="0"/>
-              <a:t>‹#›</a:t>
+              <a:t>‹Nº›</a:t>
             </a:fld>
             <a:endParaRPr lang="es-MX" dirty="0"/>
           </a:p>
@@ -4125,7 +4154,7 @@
           <a:p>
             <a:fld id="{B3F3E716-CACC-4490-AD07-F24B6A68DE47}" type="datetimeFigureOut">
               <a:rPr lang="es-MX" smtClean="0"/>
-              <a:t>25/02/2025</a:t>
+              <a:t>26/08/2025</a:t>
             </a:fld>
             <a:endParaRPr lang="es-MX" dirty="0"/>
           </a:p>
@@ -4167,7 +4196,7 @@
           <a:p>
             <a:fld id="{52A58D3C-5A37-463D-B2C9-8DF65AE0B01C}" type="slidenum">
               <a:rPr lang="es-MX" smtClean="0"/>
-              <a:t>‹#›</a:t>
+              <a:t>‹Nº›</a:t>
             </a:fld>
             <a:endParaRPr lang="es-MX" dirty="0"/>
           </a:p>
@@ -4338,7 +4367,7 @@
           <a:p>
             <a:fld id="{B3F3E716-CACC-4490-AD07-F24B6A68DE47}" type="datetimeFigureOut">
               <a:rPr lang="es-MX" smtClean="0"/>
-              <a:t>25/02/2025</a:t>
+              <a:t>26/08/2025</a:t>
             </a:fld>
             <a:endParaRPr lang="es-MX" dirty="0"/>
           </a:p>
@@ -4416,7 +4445,7 @@
           <a:p>
             <a:fld id="{52A58D3C-5A37-463D-B2C9-8DF65AE0B01C}" type="slidenum">
               <a:rPr lang="es-MX" smtClean="0"/>
-              <a:t>‹#›</a:t>
+              <a:t>‹Nº›</a:t>
             </a:fld>
             <a:endParaRPr lang="es-MX" dirty="0"/>
           </a:p>
@@ -11668,7 +11697,7 @@
                 </a:solidFill>
                 <a:effectLst/>
               </a:rPr>
-              <a:t> el cual será una función, por lo tanto esta función </a:t>
+              <a:t> el cual será una función, por lo tanto, esta función </a:t>
             </a:r>
             <a:r>
               <a:rPr lang="es-ES" sz="1400" b="1" i="0" dirty="0" err="1">
